--- a/adjective-presentation.pptx
+++ b/adjective-presentation.pptx
@@ -4973,13 +4973,7 @@
               <a:rPr lang="en-US" sz="3200" strike="noStrike">
                 <a:latin typeface="Arial"/>
               </a:rPr>
-              <a:t>3</a:t>
-            </a:r>
-            <a:r>
-              <a:rPr lang="en-US" sz="3200" strike="noStrike" baseline="101000">
-                <a:latin typeface="Arial"/>
-              </a:rPr>
-              <a:t>rd</a:t>
+              <a:t>3rd</a:t>
             </a:r>
             <a:r>
               <a:rPr lang="en-US" sz="3200" strike="noStrike">
@@ -5036,13 +5030,7 @@
               <a:rPr lang="en-US" sz="3200" strike="noStrike">
                 <a:latin typeface="Arial"/>
               </a:rPr>
-              <a:t>3</a:t>
-            </a:r>
-            <a:r>
-              <a:rPr lang="en-US" sz="3200" strike="noStrike" baseline="101000">
-                <a:latin typeface="Arial"/>
-              </a:rPr>
-              <a:t>rd</a:t>
+              <a:t>3rd</a:t>
             </a:r>
             <a:r>
               <a:rPr lang="en-US" sz="3200" strike="noStrike">
@@ -5099,19 +5087,13 @@
               <a:rPr lang="en-US" sz="3200" strike="noStrike">
                 <a:latin typeface="Arial"/>
               </a:rPr>
-              <a:t>3</a:t>
-            </a:r>
-            <a:r>
-              <a:rPr lang="en-US" sz="3200" strike="noStrike" baseline="101000">
-                <a:latin typeface="Arial"/>
-              </a:rPr>
-              <a:t>rd</a:t>
+              <a:t>3rd</a:t>
             </a:r>
             <a:r>
               <a:rPr lang="en-US" sz="3200" strike="noStrike">
                 <a:latin typeface="Arial"/>
               </a:rPr>
-              <a:t> yr CS / Psych</a:t>
+              <a:t> yr CS/Psych</a:t>
             </a:r>
             <a:endParaRPr/>
           </a:p>
@@ -5156,13 +5138,7 @@
               <a:rPr lang="en-US" sz="3200" strike="noStrike">
                 <a:latin typeface="Arial"/>
               </a:rPr>
-              <a:t>2</a:t>
-            </a:r>
-            <a:r>
-              <a:rPr lang="en-US" sz="3200" strike="noStrike" baseline="101000">
-                <a:latin typeface="Arial"/>
-              </a:rPr>
-              <a:t>nd</a:t>
+              <a:t>2nd</a:t>
             </a:r>
             <a:r>
               <a:rPr lang="en-US" sz="3200" strike="noStrike">
